--- a/OpenDataProject/dogscats.pptx
+++ b/OpenDataProject/dogscats.pptx
@@ -3171,11 +3171,20 @@
               <a:rPr lang="en-US" dirty="0" smtClean="0">
                 <a:hlinkClick r:id="rId2"/>
               </a:rPr>
-              <a:t>http://data.gov.au/dataset/geelong-registered-dogs-cats</a:t>
-            </a:r>
-            <a:endParaRPr lang="en-US" dirty="0" smtClean="0"/>
-          </a:p>
-          <a:p>
+              <a:t>http://data.gov.au/dataset/geelong-registered-dogs</a:t>
+            </a:r>
+            <a:r>
+              <a:rPr lang="en-US" smtClean="0">
+                <a:hlinkClick r:id="rId2"/>
+              </a:rPr>
+              <a:t>-</a:t>
+            </a:r>
+            <a:r>
+              <a:rPr lang="en-US" smtClean="0">
+                <a:hlinkClick r:id="rId2"/>
+              </a:rPr>
+              <a:t>cats</a:t>
+            </a:r>
             <a:endParaRPr lang="en-US" dirty="0" smtClean="0"/>
           </a:p>
         </p:txBody>
